--- a/ppt 16-9/0579.十字架的爱.pptx
+++ b/ppt 16-9/0579.十字架的爱.pptx
@@ -129,7 +129,7 @@
           <p:cNvPr id="2" name="标题 1">
             <a:extLst>
               <a:ext uri="{FF2B5EF4-FFF2-40B4-BE49-F238E27FC236}">
-                <a16:creationId xmlns:a16="http://schemas.microsoft.com/office/drawing/2014/main" id="{0F736758-3336-6A46-119E-20F85ACB9F41}"/>
+                <a16:creationId xmlns:a16="http://schemas.microsoft.com/office/drawing/2014/main" id="{302D0498-6F95-61C5-2EA8-A4544B22AA5E}"/>
               </a:ext>
             </a:extLst>
           </p:cNvPr>
@@ -166,7 +166,7 @@
           <p:cNvPr id="3" name="副标题 2">
             <a:extLst>
               <a:ext uri="{FF2B5EF4-FFF2-40B4-BE49-F238E27FC236}">
-                <a16:creationId xmlns:a16="http://schemas.microsoft.com/office/drawing/2014/main" id="{FB23B8B7-CE4C-DE03-D954-B0B9CB3C86B6}"/>
+                <a16:creationId xmlns:a16="http://schemas.microsoft.com/office/drawing/2014/main" id="{321A33F7-2065-3B7F-6668-D66B0B4A9BCC}"/>
               </a:ext>
             </a:extLst>
           </p:cNvPr>
@@ -236,7 +236,7 @@
           <p:cNvPr id="4" name="日期占位符 3">
             <a:extLst>
               <a:ext uri="{FF2B5EF4-FFF2-40B4-BE49-F238E27FC236}">
-                <a16:creationId xmlns:a16="http://schemas.microsoft.com/office/drawing/2014/main" id="{A4D6AEE0-CD1D-4FED-BBCC-DFA27BD6E0B2}"/>
+                <a16:creationId xmlns:a16="http://schemas.microsoft.com/office/drawing/2014/main" id="{C5CFB205-0D95-929D-4220-F367592B443E}"/>
               </a:ext>
             </a:extLst>
           </p:cNvPr>
@@ -252,7 +252,7 @@
           <a:bodyPr/>
           <a:lstStyle/>
           <a:p>
-            <a:fld id="{9921F963-4D42-4750-A4D6-E96A84117493}" type="datetimeFigureOut">
+            <a:fld id="{23507081-EF0F-48E8-AD86-14D79F3791BE}" type="datetimeFigureOut">
               <a:rPr lang="zh-CN" altLang="en-US" smtClean="0"/>
               <a:t>2024/3/10</a:t>
             </a:fld>
@@ -265,7 +265,7 @@
           <p:cNvPr id="5" name="页脚占位符 4">
             <a:extLst>
               <a:ext uri="{FF2B5EF4-FFF2-40B4-BE49-F238E27FC236}">
-                <a16:creationId xmlns:a16="http://schemas.microsoft.com/office/drawing/2014/main" id="{09311C46-B7D7-8FCF-B782-843E0E8C37C1}"/>
+                <a16:creationId xmlns:a16="http://schemas.microsoft.com/office/drawing/2014/main" id="{0DACDBAA-3A85-49DE-4428-27FF706A7CB9}"/>
               </a:ext>
             </a:extLst>
           </p:cNvPr>
@@ -290,7 +290,7 @@
           <p:cNvPr id="6" name="灯片编号占位符 5">
             <a:extLst>
               <a:ext uri="{FF2B5EF4-FFF2-40B4-BE49-F238E27FC236}">
-                <a16:creationId xmlns:a16="http://schemas.microsoft.com/office/drawing/2014/main" id="{B3DED5B9-A2DD-F787-54D6-E95A97AB4692}"/>
+                <a16:creationId xmlns:a16="http://schemas.microsoft.com/office/drawing/2014/main" id="{874EF453-F41A-6528-6461-E8905A1DD9F8}"/>
               </a:ext>
             </a:extLst>
           </p:cNvPr>
@@ -306,7 +306,7 @@
           <a:bodyPr/>
           <a:lstStyle/>
           <a:p>
-            <a:fld id="{89B5FE7A-9332-4352-88AA-66EDDF470778}" type="slidenum">
+            <a:fld id="{859CA98C-BB3F-4FB6-A5C9-60D4330074FF}" type="slidenum">
               <a:rPr lang="zh-CN" altLang="en-US" smtClean="0"/>
               <a:t>‹#›</a:t>
             </a:fld>
@@ -317,7 +317,7 @@
     </p:spTree>
     <p:extLst>
       <p:ext uri="{BB962C8B-B14F-4D97-AF65-F5344CB8AC3E}">
-        <p14:creationId xmlns:p14="http://schemas.microsoft.com/office/powerpoint/2010/main" val="1088097636"/>
+        <p14:creationId xmlns:p14="http://schemas.microsoft.com/office/powerpoint/2010/main" val="4053981995"/>
       </p:ext>
     </p:extLst>
   </p:cSld>
@@ -349,7 +349,7 @@
           <p:cNvPr id="2" name="标题 1">
             <a:extLst>
               <a:ext uri="{FF2B5EF4-FFF2-40B4-BE49-F238E27FC236}">
-                <a16:creationId xmlns:a16="http://schemas.microsoft.com/office/drawing/2014/main" id="{558CCC57-30D9-1987-7831-8A5A7E5D2F4A}"/>
+                <a16:creationId xmlns:a16="http://schemas.microsoft.com/office/drawing/2014/main" id="{48456BB0-606A-4B42-99BD-7DED2D92B3F0}"/>
               </a:ext>
             </a:extLst>
           </p:cNvPr>
@@ -377,7 +377,7 @@
           <p:cNvPr id="3" name="竖排文字占位符 2">
             <a:extLst>
               <a:ext uri="{FF2B5EF4-FFF2-40B4-BE49-F238E27FC236}">
-                <a16:creationId xmlns:a16="http://schemas.microsoft.com/office/drawing/2014/main" id="{F9A08910-1701-C591-902F-97C1AD999ED0}"/>
+                <a16:creationId xmlns:a16="http://schemas.microsoft.com/office/drawing/2014/main" id="{CB01478E-2A29-451B-B7F9-7B058668F55C}"/>
               </a:ext>
             </a:extLst>
           </p:cNvPr>
@@ -434,7 +434,7 @@
           <p:cNvPr id="4" name="日期占位符 3">
             <a:extLst>
               <a:ext uri="{FF2B5EF4-FFF2-40B4-BE49-F238E27FC236}">
-                <a16:creationId xmlns:a16="http://schemas.microsoft.com/office/drawing/2014/main" id="{20D6D56D-F21A-2B6D-9BD1-F6A10958CEDC}"/>
+                <a16:creationId xmlns:a16="http://schemas.microsoft.com/office/drawing/2014/main" id="{6DCC1004-ED08-1C00-FF5C-7C999FABA0C6}"/>
               </a:ext>
             </a:extLst>
           </p:cNvPr>
@@ -450,7 +450,7 @@
           <a:bodyPr/>
           <a:lstStyle/>
           <a:p>
-            <a:fld id="{9921F963-4D42-4750-A4D6-E96A84117493}" type="datetimeFigureOut">
+            <a:fld id="{23507081-EF0F-48E8-AD86-14D79F3791BE}" type="datetimeFigureOut">
               <a:rPr lang="zh-CN" altLang="en-US" smtClean="0"/>
               <a:t>2024/3/10</a:t>
             </a:fld>
@@ -463,7 +463,7 @@
           <p:cNvPr id="5" name="页脚占位符 4">
             <a:extLst>
               <a:ext uri="{FF2B5EF4-FFF2-40B4-BE49-F238E27FC236}">
-                <a16:creationId xmlns:a16="http://schemas.microsoft.com/office/drawing/2014/main" id="{B54870DE-0848-45C7-27C0-64195B48CF15}"/>
+                <a16:creationId xmlns:a16="http://schemas.microsoft.com/office/drawing/2014/main" id="{CB76886E-2946-121B-AB5C-146D42DAC403}"/>
               </a:ext>
             </a:extLst>
           </p:cNvPr>
@@ -488,7 +488,7 @@
           <p:cNvPr id="6" name="灯片编号占位符 5">
             <a:extLst>
               <a:ext uri="{FF2B5EF4-FFF2-40B4-BE49-F238E27FC236}">
-                <a16:creationId xmlns:a16="http://schemas.microsoft.com/office/drawing/2014/main" id="{E2F07146-DB5A-1609-63F9-AA0DA419ED4B}"/>
+                <a16:creationId xmlns:a16="http://schemas.microsoft.com/office/drawing/2014/main" id="{60A9AB34-94E2-AF70-F3EF-F67E8F98FAC9}"/>
               </a:ext>
             </a:extLst>
           </p:cNvPr>
@@ -504,7 +504,7 @@
           <a:bodyPr/>
           <a:lstStyle/>
           <a:p>
-            <a:fld id="{89B5FE7A-9332-4352-88AA-66EDDF470778}" type="slidenum">
+            <a:fld id="{859CA98C-BB3F-4FB6-A5C9-60D4330074FF}" type="slidenum">
               <a:rPr lang="zh-CN" altLang="en-US" smtClean="0"/>
               <a:t>‹#›</a:t>
             </a:fld>
@@ -515,7 +515,7 @@
     </p:spTree>
     <p:extLst>
       <p:ext uri="{BB962C8B-B14F-4D97-AF65-F5344CB8AC3E}">
-        <p14:creationId xmlns:p14="http://schemas.microsoft.com/office/powerpoint/2010/main" val="2883802904"/>
+        <p14:creationId xmlns:p14="http://schemas.microsoft.com/office/powerpoint/2010/main" val="674254322"/>
       </p:ext>
     </p:extLst>
   </p:cSld>
@@ -547,7 +547,7 @@
           <p:cNvPr id="2" name="竖排标题 1">
             <a:extLst>
               <a:ext uri="{FF2B5EF4-FFF2-40B4-BE49-F238E27FC236}">
-                <a16:creationId xmlns:a16="http://schemas.microsoft.com/office/drawing/2014/main" id="{5C1948BB-522F-4DA3-A56B-715B88E29C76}"/>
+                <a16:creationId xmlns:a16="http://schemas.microsoft.com/office/drawing/2014/main" id="{AE454674-E41F-8006-9EC1-5359EA4F17A4}"/>
               </a:ext>
             </a:extLst>
           </p:cNvPr>
@@ -580,7 +580,7 @@
           <p:cNvPr id="3" name="竖排文字占位符 2">
             <a:extLst>
               <a:ext uri="{FF2B5EF4-FFF2-40B4-BE49-F238E27FC236}">
-                <a16:creationId xmlns:a16="http://schemas.microsoft.com/office/drawing/2014/main" id="{F7C959FA-60FD-686C-620F-7268EDCF3F4F}"/>
+                <a16:creationId xmlns:a16="http://schemas.microsoft.com/office/drawing/2014/main" id="{6419D911-A451-4EE5-1356-FB8F4682D1C5}"/>
               </a:ext>
             </a:extLst>
           </p:cNvPr>
@@ -642,7 +642,7 @@
           <p:cNvPr id="4" name="日期占位符 3">
             <a:extLst>
               <a:ext uri="{FF2B5EF4-FFF2-40B4-BE49-F238E27FC236}">
-                <a16:creationId xmlns:a16="http://schemas.microsoft.com/office/drawing/2014/main" id="{80C847A0-0E80-5371-C0F2-67EF818F7EDC}"/>
+                <a16:creationId xmlns:a16="http://schemas.microsoft.com/office/drawing/2014/main" id="{7EFFFA34-6384-5E4B-7FD6-3DDD15D55C5A}"/>
               </a:ext>
             </a:extLst>
           </p:cNvPr>
@@ -658,7 +658,7 @@
           <a:bodyPr/>
           <a:lstStyle/>
           <a:p>
-            <a:fld id="{9921F963-4D42-4750-A4D6-E96A84117493}" type="datetimeFigureOut">
+            <a:fld id="{23507081-EF0F-48E8-AD86-14D79F3791BE}" type="datetimeFigureOut">
               <a:rPr lang="zh-CN" altLang="en-US" smtClean="0"/>
               <a:t>2024/3/10</a:t>
             </a:fld>
@@ -671,7 +671,7 @@
           <p:cNvPr id="5" name="页脚占位符 4">
             <a:extLst>
               <a:ext uri="{FF2B5EF4-FFF2-40B4-BE49-F238E27FC236}">
-                <a16:creationId xmlns:a16="http://schemas.microsoft.com/office/drawing/2014/main" id="{B8328F48-3C31-82E4-5E1C-BB59B6545611}"/>
+                <a16:creationId xmlns:a16="http://schemas.microsoft.com/office/drawing/2014/main" id="{49C09F72-0AC2-8883-FB0D-7548D6E35945}"/>
               </a:ext>
             </a:extLst>
           </p:cNvPr>
@@ -696,7 +696,7 @@
           <p:cNvPr id="6" name="灯片编号占位符 5">
             <a:extLst>
               <a:ext uri="{FF2B5EF4-FFF2-40B4-BE49-F238E27FC236}">
-                <a16:creationId xmlns:a16="http://schemas.microsoft.com/office/drawing/2014/main" id="{E0A1254C-CE48-6B26-A38D-66651931DCF2}"/>
+                <a16:creationId xmlns:a16="http://schemas.microsoft.com/office/drawing/2014/main" id="{575705E0-1B74-BD00-41EC-EB989263B1E8}"/>
               </a:ext>
             </a:extLst>
           </p:cNvPr>
@@ -712,7 +712,7 @@
           <a:bodyPr/>
           <a:lstStyle/>
           <a:p>
-            <a:fld id="{89B5FE7A-9332-4352-88AA-66EDDF470778}" type="slidenum">
+            <a:fld id="{859CA98C-BB3F-4FB6-A5C9-60D4330074FF}" type="slidenum">
               <a:rPr lang="zh-CN" altLang="en-US" smtClean="0"/>
               <a:t>‹#›</a:t>
             </a:fld>
@@ -723,7 +723,7 @@
     </p:spTree>
     <p:extLst>
       <p:ext uri="{BB962C8B-B14F-4D97-AF65-F5344CB8AC3E}">
-        <p14:creationId xmlns:p14="http://schemas.microsoft.com/office/powerpoint/2010/main" val="1223167215"/>
+        <p14:creationId xmlns:p14="http://schemas.microsoft.com/office/powerpoint/2010/main" val="4165505839"/>
       </p:ext>
     </p:extLst>
   </p:cSld>
@@ -755,7 +755,7 @@
           <p:cNvPr id="2" name="标题 1">
             <a:extLst>
               <a:ext uri="{FF2B5EF4-FFF2-40B4-BE49-F238E27FC236}">
-                <a16:creationId xmlns:a16="http://schemas.microsoft.com/office/drawing/2014/main" id="{487CBB13-CB40-379B-9D24-8A3E105627CF}"/>
+                <a16:creationId xmlns:a16="http://schemas.microsoft.com/office/drawing/2014/main" id="{1323E158-B20C-6AEC-3462-B278E61281EB}"/>
               </a:ext>
             </a:extLst>
           </p:cNvPr>
@@ -783,7 +783,7 @@
           <p:cNvPr id="3" name="内容占位符 2">
             <a:extLst>
               <a:ext uri="{FF2B5EF4-FFF2-40B4-BE49-F238E27FC236}">
-                <a16:creationId xmlns:a16="http://schemas.microsoft.com/office/drawing/2014/main" id="{1ECDBAC9-EAFC-2079-9F95-240512AEC35B}"/>
+                <a16:creationId xmlns:a16="http://schemas.microsoft.com/office/drawing/2014/main" id="{DDD8B7C2-A25C-BC42-0460-33DC2A4EA9CF}"/>
               </a:ext>
             </a:extLst>
           </p:cNvPr>
@@ -840,7 +840,7 @@
           <p:cNvPr id="4" name="日期占位符 3">
             <a:extLst>
               <a:ext uri="{FF2B5EF4-FFF2-40B4-BE49-F238E27FC236}">
-                <a16:creationId xmlns:a16="http://schemas.microsoft.com/office/drawing/2014/main" id="{C4466D1D-6846-D8FC-36E0-D6B6CD47F9F4}"/>
+                <a16:creationId xmlns:a16="http://schemas.microsoft.com/office/drawing/2014/main" id="{4A155CB5-0801-2EB4-197A-4BEAE589477D}"/>
               </a:ext>
             </a:extLst>
           </p:cNvPr>
@@ -856,7 +856,7 @@
           <a:bodyPr/>
           <a:lstStyle/>
           <a:p>
-            <a:fld id="{9921F963-4D42-4750-A4D6-E96A84117493}" type="datetimeFigureOut">
+            <a:fld id="{23507081-EF0F-48E8-AD86-14D79F3791BE}" type="datetimeFigureOut">
               <a:rPr lang="zh-CN" altLang="en-US" smtClean="0"/>
               <a:t>2024/3/10</a:t>
             </a:fld>
@@ -869,7 +869,7 @@
           <p:cNvPr id="5" name="页脚占位符 4">
             <a:extLst>
               <a:ext uri="{FF2B5EF4-FFF2-40B4-BE49-F238E27FC236}">
-                <a16:creationId xmlns:a16="http://schemas.microsoft.com/office/drawing/2014/main" id="{77E6F17E-DCE3-3D79-49C1-403C168A94F5}"/>
+                <a16:creationId xmlns:a16="http://schemas.microsoft.com/office/drawing/2014/main" id="{ECF96FAA-9038-047E-4207-08DD171FF358}"/>
               </a:ext>
             </a:extLst>
           </p:cNvPr>
@@ -894,7 +894,7 @@
           <p:cNvPr id="6" name="灯片编号占位符 5">
             <a:extLst>
               <a:ext uri="{FF2B5EF4-FFF2-40B4-BE49-F238E27FC236}">
-                <a16:creationId xmlns:a16="http://schemas.microsoft.com/office/drawing/2014/main" id="{F99F0B79-CABC-BFF7-59BC-830B4748C513}"/>
+                <a16:creationId xmlns:a16="http://schemas.microsoft.com/office/drawing/2014/main" id="{0BF003F3-B511-1E3E-BBBA-43AA437352BF}"/>
               </a:ext>
             </a:extLst>
           </p:cNvPr>
@@ -910,7 +910,7 @@
           <a:bodyPr/>
           <a:lstStyle/>
           <a:p>
-            <a:fld id="{89B5FE7A-9332-4352-88AA-66EDDF470778}" type="slidenum">
+            <a:fld id="{859CA98C-BB3F-4FB6-A5C9-60D4330074FF}" type="slidenum">
               <a:rPr lang="zh-CN" altLang="en-US" smtClean="0"/>
               <a:t>‹#›</a:t>
             </a:fld>
@@ -921,7 +921,7 @@
     </p:spTree>
     <p:extLst>
       <p:ext uri="{BB962C8B-B14F-4D97-AF65-F5344CB8AC3E}">
-        <p14:creationId xmlns:p14="http://schemas.microsoft.com/office/powerpoint/2010/main" val="2907616285"/>
+        <p14:creationId xmlns:p14="http://schemas.microsoft.com/office/powerpoint/2010/main" val="1832128793"/>
       </p:ext>
     </p:extLst>
   </p:cSld>
@@ -953,7 +953,7 @@
           <p:cNvPr id="2" name="标题 1">
             <a:extLst>
               <a:ext uri="{FF2B5EF4-FFF2-40B4-BE49-F238E27FC236}">
-                <a16:creationId xmlns:a16="http://schemas.microsoft.com/office/drawing/2014/main" id="{B9D40E7E-9498-2722-D305-3A3594DA32A2}"/>
+                <a16:creationId xmlns:a16="http://schemas.microsoft.com/office/drawing/2014/main" id="{471809CD-1BBB-A7FF-14D1-AF09BA3CF947}"/>
               </a:ext>
             </a:extLst>
           </p:cNvPr>
@@ -990,7 +990,7 @@
           <p:cNvPr id="3" name="文本占位符 2">
             <a:extLst>
               <a:ext uri="{FF2B5EF4-FFF2-40B4-BE49-F238E27FC236}">
-                <a16:creationId xmlns:a16="http://schemas.microsoft.com/office/drawing/2014/main" id="{0B4F0631-BB3E-8B7B-6F93-A99EF4059FAE}"/>
+                <a16:creationId xmlns:a16="http://schemas.microsoft.com/office/drawing/2014/main" id="{60071C22-F5F6-8A97-B6C7-D422F8DE2D77}"/>
               </a:ext>
             </a:extLst>
           </p:cNvPr>
@@ -1115,7 +1115,7 @@
           <p:cNvPr id="4" name="日期占位符 3">
             <a:extLst>
               <a:ext uri="{FF2B5EF4-FFF2-40B4-BE49-F238E27FC236}">
-                <a16:creationId xmlns:a16="http://schemas.microsoft.com/office/drawing/2014/main" id="{35068E3D-1603-DFF0-2BF1-27BEA7F1572E}"/>
+                <a16:creationId xmlns:a16="http://schemas.microsoft.com/office/drawing/2014/main" id="{99C15DFA-4D5D-D86E-E37E-DE33852E5AF2}"/>
               </a:ext>
             </a:extLst>
           </p:cNvPr>
@@ -1131,7 +1131,7 @@
           <a:bodyPr/>
           <a:lstStyle/>
           <a:p>
-            <a:fld id="{9921F963-4D42-4750-A4D6-E96A84117493}" type="datetimeFigureOut">
+            <a:fld id="{23507081-EF0F-48E8-AD86-14D79F3791BE}" type="datetimeFigureOut">
               <a:rPr lang="zh-CN" altLang="en-US" smtClean="0"/>
               <a:t>2024/3/10</a:t>
             </a:fld>
@@ -1144,7 +1144,7 @@
           <p:cNvPr id="5" name="页脚占位符 4">
             <a:extLst>
               <a:ext uri="{FF2B5EF4-FFF2-40B4-BE49-F238E27FC236}">
-                <a16:creationId xmlns:a16="http://schemas.microsoft.com/office/drawing/2014/main" id="{D49E853A-DB1C-C3EF-D421-80ABAC67DB18}"/>
+                <a16:creationId xmlns:a16="http://schemas.microsoft.com/office/drawing/2014/main" id="{BBC631BF-1735-B363-D5F8-8DD0A3F6C05A}"/>
               </a:ext>
             </a:extLst>
           </p:cNvPr>
@@ -1169,7 +1169,7 @@
           <p:cNvPr id="6" name="灯片编号占位符 5">
             <a:extLst>
               <a:ext uri="{FF2B5EF4-FFF2-40B4-BE49-F238E27FC236}">
-                <a16:creationId xmlns:a16="http://schemas.microsoft.com/office/drawing/2014/main" id="{CB917DC3-A04D-4F3D-4EC7-0CAE27FDA959}"/>
+                <a16:creationId xmlns:a16="http://schemas.microsoft.com/office/drawing/2014/main" id="{C222F1F6-91A2-8642-3F57-5B4C7638E987}"/>
               </a:ext>
             </a:extLst>
           </p:cNvPr>
@@ -1185,7 +1185,7 @@
           <a:bodyPr/>
           <a:lstStyle/>
           <a:p>
-            <a:fld id="{89B5FE7A-9332-4352-88AA-66EDDF470778}" type="slidenum">
+            <a:fld id="{859CA98C-BB3F-4FB6-A5C9-60D4330074FF}" type="slidenum">
               <a:rPr lang="zh-CN" altLang="en-US" smtClean="0"/>
               <a:t>‹#›</a:t>
             </a:fld>
@@ -1196,7 +1196,7 @@
     </p:spTree>
     <p:extLst>
       <p:ext uri="{BB962C8B-B14F-4D97-AF65-F5344CB8AC3E}">
-        <p14:creationId xmlns:p14="http://schemas.microsoft.com/office/powerpoint/2010/main" val="3905842269"/>
+        <p14:creationId xmlns:p14="http://schemas.microsoft.com/office/powerpoint/2010/main" val="2922366196"/>
       </p:ext>
     </p:extLst>
   </p:cSld>
@@ -1228,7 +1228,7 @@
           <p:cNvPr id="2" name="标题 1">
             <a:extLst>
               <a:ext uri="{FF2B5EF4-FFF2-40B4-BE49-F238E27FC236}">
-                <a16:creationId xmlns:a16="http://schemas.microsoft.com/office/drawing/2014/main" id="{5D745614-7EF4-7FE4-6C92-57EA6D530A4C}"/>
+                <a16:creationId xmlns:a16="http://schemas.microsoft.com/office/drawing/2014/main" id="{251183C6-78E8-C26C-F874-224827A95F44}"/>
               </a:ext>
             </a:extLst>
           </p:cNvPr>
@@ -1256,7 +1256,7 @@
           <p:cNvPr id="3" name="内容占位符 2">
             <a:extLst>
               <a:ext uri="{FF2B5EF4-FFF2-40B4-BE49-F238E27FC236}">
-                <a16:creationId xmlns:a16="http://schemas.microsoft.com/office/drawing/2014/main" id="{2E4512D7-C58B-6B51-DCEE-292BF9F31F0E}"/>
+                <a16:creationId xmlns:a16="http://schemas.microsoft.com/office/drawing/2014/main" id="{A4A801D2-D0CF-A074-5C72-133192A936EC}"/>
               </a:ext>
             </a:extLst>
           </p:cNvPr>
@@ -1318,7 +1318,7 @@
           <p:cNvPr id="4" name="内容占位符 3">
             <a:extLst>
               <a:ext uri="{FF2B5EF4-FFF2-40B4-BE49-F238E27FC236}">
-                <a16:creationId xmlns:a16="http://schemas.microsoft.com/office/drawing/2014/main" id="{B940ECBD-EAF9-60F1-5841-6CA8338BE440}"/>
+                <a16:creationId xmlns:a16="http://schemas.microsoft.com/office/drawing/2014/main" id="{017B892E-9983-432F-C83C-AB4E8B7857B8}"/>
               </a:ext>
             </a:extLst>
           </p:cNvPr>
@@ -1380,7 +1380,7 @@
           <p:cNvPr id="5" name="日期占位符 4">
             <a:extLst>
               <a:ext uri="{FF2B5EF4-FFF2-40B4-BE49-F238E27FC236}">
-                <a16:creationId xmlns:a16="http://schemas.microsoft.com/office/drawing/2014/main" id="{101216BB-F8DA-45D6-B353-3B0935ED7028}"/>
+                <a16:creationId xmlns:a16="http://schemas.microsoft.com/office/drawing/2014/main" id="{2D7B9597-463A-BF6A-A782-41E6BED7C309}"/>
               </a:ext>
             </a:extLst>
           </p:cNvPr>
@@ -1396,7 +1396,7 @@
           <a:bodyPr/>
           <a:lstStyle/>
           <a:p>
-            <a:fld id="{9921F963-4D42-4750-A4D6-E96A84117493}" type="datetimeFigureOut">
+            <a:fld id="{23507081-EF0F-48E8-AD86-14D79F3791BE}" type="datetimeFigureOut">
               <a:rPr lang="zh-CN" altLang="en-US" smtClean="0"/>
               <a:t>2024/3/10</a:t>
             </a:fld>
@@ -1409,7 +1409,7 @@
           <p:cNvPr id="6" name="页脚占位符 5">
             <a:extLst>
               <a:ext uri="{FF2B5EF4-FFF2-40B4-BE49-F238E27FC236}">
-                <a16:creationId xmlns:a16="http://schemas.microsoft.com/office/drawing/2014/main" id="{0C77963B-7AA6-39E5-A51D-C065AE32FAB3}"/>
+                <a16:creationId xmlns:a16="http://schemas.microsoft.com/office/drawing/2014/main" id="{487BA49F-0108-9A19-CBF1-1143DD3D5FC3}"/>
               </a:ext>
             </a:extLst>
           </p:cNvPr>
@@ -1434,7 +1434,7 @@
           <p:cNvPr id="7" name="灯片编号占位符 6">
             <a:extLst>
               <a:ext uri="{FF2B5EF4-FFF2-40B4-BE49-F238E27FC236}">
-                <a16:creationId xmlns:a16="http://schemas.microsoft.com/office/drawing/2014/main" id="{B4C8D489-5D9B-D23F-60D3-E5161113F9E0}"/>
+                <a16:creationId xmlns:a16="http://schemas.microsoft.com/office/drawing/2014/main" id="{70320459-A4F6-7889-F5FB-3ACA86F62FBC}"/>
               </a:ext>
             </a:extLst>
           </p:cNvPr>
@@ -1450,7 +1450,7 @@
           <a:bodyPr/>
           <a:lstStyle/>
           <a:p>
-            <a:fld id="{89B5FE7A-9332-4352-88AA-66EDDF470778}" type="slidenum">
+            <a:fld id="{859CA98C-BB3F-4FB6-A5C9-60D4330074FF}" type="slidenum">
               <a:rPr lang="zh-CN" altLang="en-US" smtClean="0"/>
               <a:t>‹#›</a:t>
             </a:fld>
@@ -1461,7 +1461,7 @@
     </p:spTree>
     <p:extLst>
       <p:ext uri="{BB962C8B-B14F-4D97-AF65-F5344CB8AC3E}">
-        <p14:creationId xmlns:p14="http://schemas.microsoft.com/office/powerpoint/2010/main" val="3527276832"/>
+        <p14:creationId xmlns:p14="http://schemas.microsoft.com/office/powerpoint/2010/main" val="3120246779"/>
       </p:ext>
     </p:extLst>
   </p:cSld>
@@ -1493,7 +1493,7 @@
           <p:cNvPr id="2" name="标题 1">
             <a:extLst>
               <a:ext uri="{FF2B5EF4-FFF2-40B4-BE49-F238E27FC236}">
-                <a16:creationId xmlns:a16="http://schemas.microsoft.com/office/drawing/2014/main" id="{79304EF2-41AE-0F46-35CC-B578283F2FC9}"/>
+                <a16:creationId xmlns:a16="http://schemas.microsoft.com/office/drawing/2014/main" id="{D97F0BAC-C65E-CF28-7DC7-622AD139B3FB}"/>
               </a:ext>
             </a:extLst>
           </p:cNvPr>
@@ -1526,7 +1526,7 @@
           <p:cNvPr id="3" name="文本占位符 2">
             <a:extLst>
               <a:ext uri="{FF2B5EF4-FFF2-40B4-BE49-F238E27FC236}">
-                <a16:creationId xmlns:a16="http://schemas.microsoft.com/office/drawing/2014/main" id="{5DCEB867-2843-5DDB-B59A-32B78338C583}"/>
+                <a16:creationId xmlns:a16="http://schemas.microsoft.com/office/drawing/2014/main" id="{AECCAAA5-954D-DE2D-1816-A91C80213AF1}"/>
               </a:ext>
             </a:extLst>
           </p:cNvPr>
@@ -1597,7 +1597,7 @@
           <p:cNvPr id="4" name="内容占位符 3">
             <a:extLst>
               <a:ext uri="{FF2B5EF4-FFF2-40B4-BE49-F238E27FC236}">
-                <a16:creationId xmlns:a16="http://schemas.microsoft.com/office/drawing/2014/main" id="{211BB023-B8BF-7276-B4CF-219AA470F0E7}"/>
+                <a16:creationId xmlns:a16="http://schemas.microsoft.com/office/drawing/2014/main" id="{2EE12A98-F7E7-51A7-7799-1061C15B0195}"/>
               </a:ext>
             </a:extLst>
           </p:cNvPr>
@@ -1659,7 +1659,7 @@
           <p:cNvPr id="5" name="文本占位符 4">
             <a:extLst>
               <a:ext uri="{FF2B5EF4-FFF2-40B4-BE49-F238E27FC236}">
-                <a16:creationId xmlns:a16="http://schemas.microsoft.com/office/drawing/2014/main" id="{0B21E4AC-AF48-9FD9-5FF5-7D04E75D6454}"/>
+                <a16:creationId xmlns:a16="http://schemas.microsoft.com/office/drawing/2014/main" id="{75E654F1-B2B9-32EB-671E-8B0ED9399699}"/>
               </a:ext>
             </a:extLst>
           </p:cNvPr>
@@ -1730,7 +1730,7 @@
           <p:cNvPr id="6" name="内容占位符 5">
             <a:extLst>
               <a:ext uri="{FF2B5EF4-FFF2-40B4-BE49-F238E27FC236}">
-                <a16:creationId xmlns:a16="http://schemas.microsoft.com/office/drawing/2014/main" id="{106066E5-C9AD-B249-CABE-EB97A75C26E2}"/>
+                <a16:creationId xmlns:a16="http://schemas.microsoft.com/office/drawing/2014/main" id="{0D8F0313-2E57-A32D-EEF3-BD82902D4C46}"/>
               </a:ext>
             </a:extLst>
           </p:cNvPr>
@@ -1792,7 +1792,7 @@
           <p:cNvPr id="7" name="日期占位符 6">
             <a:extLst>
               <a:ext uri="{FF2B5EF4-FFF2-40B4-BE49-F238E27FC236}">
-                <a16:creationId xmlns:a16="http://schemas.microsoft.com/office/drawing/2014/main" id="{AFAD17E5-A87A-AE53-34F1-09A4782FB8E3}"/>
+                <a16:creationId xmlns:a16="http://schemas.microsoft.com/office/drawing/2014/main" id="{9D25F120-D153-193F-AF94-D34E20B667AE}"/>
               </a:ext>
             </a:extLst>
           </p:cNvPr>
@@ -1808,7 +1808,7 @@
           <a:bodyPr/>
           <a:lstStyle/>
           <a:p>
-            <a:fld id="{9921F963-4D42-4750-A4D6-E96A84117493}" type="datetimeFigureOut">
+            <a:fld id="{23507081-EF0F-48E8-AD86-14D79F3791BE}" type="datetimeFigureOut">
               <a:rPr lang="zh-CN" altLang="en-US" smtClean="0"/>
               <a:t>2024/3/10</a:t>
             </a:fld>
@@ -1821,7 +1821,7 @@
           <p:cNvPr id="8" name="页脚占位符 7">
             <a:extLst>
               <a:ext uri="{FF2B5EF4-FFF2-40B4-BE49-F238E27FC236}">
-                <a16:creationId xmlns:a16="http://schemas.microsoft.com/office/drawing/2014/main" id="{E294F05F-9690-F65D-96B0-CC612665F279}"/>
+                <a16:creationId xmlns:a16="http://schemas.microsoft.com/office/drawing/2014/main" id="{65AD9618-5C1C-FFDB-65D4-D0CC0CD0B584}"/>
               </a:ext>
             </a:extLst>
           </p:cNvPr>
@@ -1846,7 +1846,7 @@
           <p:cNvPr id="9" name="灯片编号占位符 8">
             <a:extLst>
               <a:ext uri="{FF2B5EF4-FFF2-40B4-BE49-F238E27FC236}">
-                <a16:creationId xmlns:a16="http://schemas.microsoft.com/office/drawing/2014/main" id="{FD734A0A-AB5A-614C-C77A-4847373A6511}"/>
+                <a16:creationId xmlns:a16="http://schemas.microsoft.com/office/drawing/2014/main" id="{63174E76-9BE6-A37F-4BA9-D3613F76E0B4}"/>
               </a:ext>
             </a:extLst>
           </p:cNvPr>
@@ -1862,7 +1862,7 @@
           <a:bodyPr/>
           <a:lstStyle/>
           <a:p>
-            <a:fld id="{89B5FE7A-9332-4352-88AA-66EDDF470778}" type="slidenum">
+            <a:fld id="{859CA98C-BB3F-4FB6-A5C9-60D4330074FF}" type="slidenum">
               <a:rPr lang="zh-CN" altLang="en-US" smtClean="0"/>
               <a:t>‹#›</a:t>
             </a:fld>
@@ -1873,7 +1873,7 @@
     </p:spTree>
     <p:extLst>
       <p:ext uri="{BB962C8B-B14F-4D97-AF65-F5344CB8AC3E}">
-        <p14:creationId xmlns:p14="http://schemas.microsoft.com/office/powerpoint/2010/main" val="3688264460"/>
+        <p14:creationId xmlns:p14="http://schemas.microsoft.com/office/powerpoint/2010/main" val="701896082"/>
       </p:ext>
     </p:extLst>
   </p:cSld>
@@ -1905,7 +1905,7 @@
           <p:cNvPr id="2" name="标题 1">
             <a:extLst>
               <a:ext uri="{FF2B5EF4-FFF2-40B4-BE49-F238E27FC236}">
-                <a16:creationId xmlns:a16="http://schemas.microsoft.com/office/drawing/2014/main" id="{A7D831AC-92FB-E316-56CC-880A7B7DD6E5}"/>
+                <a16:creationId xmlns:a16="http://schemas.microsoft.com/office/drawing/2014/main" id="{62537DDA-ABC3-D848-62D2-C2FC3CDCAB16}"/>
               </a:ext>
             </a:extLst>
           </p:cNvPr>
@@ -1933,7 +1933,7 @@
           <p:cNvPr id="3" name="日期占位符 2">
             <a:extLst>
               <a:ext uri="{FF2B5EF4-FFF2-40B4-BE49-F238E27FC236}">
-                <a16:creationId xmlns:a16="http://schemas.microsoft.com/office/drawing/2014/main" id="{6123EDBF-1111-2CEA-CC77-FB608F059F73}"/>
+                <a16:creationId xmlns:a16="http://schemas.microsoft.com/office/drawing/2014/main" id="{5610BF95-478A-2BF9-3CF5-660975F363C3}"/>
               </a:ext>
             </a:extLst>
           </p:cNvPr>
@@ -1949,7 +1949,7 @@
           <a:bodyPr/>
           <a:lstStyle/>
           <a:p>
-            <a:fld id="{9921F963-4D42-4750-A4D6-E96A84117493}" type="datetimeFigureOut">
+            <a:fld id="{23507081-EF0F-48E8-AD86-14D79F3791BE}" type="datetimeFigureOut">
               <a:rPr lang="zh-CN" altLang="en-US" smtClean="0"/>
               <a:t>2024/3/10</a:t>
             </a:fld>
@@ -1962,7 +1962,7 @@
           <p:cNvPr id="4" name="页脚占位符 3">
             <a:extLst>
               <a:ext uri="{FF2B5EF4-FFF2-40B4-BE49-F238E27FC236}">
-                <a16:creationId xmlns:a16="http://schemas.microsoft.com/office/drawing/2014/main" id="{6752F115-3063-0C70-A848-6B3BAD1514D8}"/>
+                <a16:creationId xmlns:a16="http://schemas.microsoft.com/office/drawing/2014/main" id="{8DA18433-BFDC-A6C7-762E-067E6A6A3B0E}"/>
               </a:ext>
             </a:extLst>
           </p:cNvPr>
@@ -1987,7 +1987,7 @@
           <p:cNvPr id="5" name="灯片编号占位符 4">
             <a:extLst>
               <a:ext uri="{FF2B5EF4-FFF2-40B4-BE49-F238E27FC236}">
-                <a16:creationId xmlns:a16="http://schemas.microsoft.com/office/drawing/2014/main" id="{B360225B-F41D-FE40-CB10-3210B4EE4A1A}"/>
+                <a16:creationId xmlns:a16="http://schemas.microsoft.com/office/drawing/2014/main" id="{41DE4510-B418-F476-9AED-52E4E36F7341}"/>
               </a:ext>
             </a:extLst>
           </p:cNvPr>
@@ -2003,7 +2003,7 @@
           <a:bodyPr/>
           <a:lstStyle/>
           <a:p>
-            <a:fld id="{89B5FE7A-9332-4352-88AA-66EDDF470778}" type="slidenum">
+            <a:fld id="{859CA98C-BB3F-4FB6-A5C9-60D4330074FF}" type="slidenum">
               <a:rPr lang="zh-CN" altLang="en-US" smtClean="0"/>
               <a:t>‹#›</a:t>
             </a:fld>
@@ -2014,7 +2014,7 @@
     </p:spTree>
     <p:extLst>
       <p:ext uri="{BB962C8B-B14F-4D97-AF65-F5344CB8AC3E}">
-        <p14:creationId xmlns:p14="http://schemas.microsoft.com/office/powerpoint/2010/main" val="1530689021"/>
+        <p14:creationId xmlns:p14="http://schemas.microsoft.com/office/powerpoint/2010/main" val="706776084"/>
       </p:ext>
     </p:extLst>
   </p:cSld>
@@ -2046,7 +2046,7 @@
           <p:cNvPr id="2" name="日期占位符 1">
             <a:extLst>
               <a:ext uri="{FF2B5EF4-FFF2-40B4-BE49-F238E27FC236}">
-                <a16:creationId xmlns:a16="http://schemas.microsoft.com/office/drawing/2014/main" id="{BE922147-1FCE-FD05-E6CD-256E04D64A57}"/>
+                <a16:creationId xmlns:a16="http://schemas.microsoft.com/office/drawing/2014/main" id="{C7510B19-AB32-54DA-5223-4D65930DCA69}"/>
               </a:ext>
             </a:extLst>
           </p:cNvPr>
@@ -2062,7 +2062,7 @@
           <a:bodyPr/>
           <a:lstStyle/>
           <a:p>
-            <a:fld id="{9921F963-4D42-4750-A4D6-E96A84117493}" type="datetimeFigureOut">
+            <a:fld id="{23507081-EF0F-48E8-AD86-14D79F3791BE}" type="datetimeFigureOut">
               <a:rPr lang="zh-CN" altLang="en-US" smtClean="0"/>
               <a:t>2024/3/10</a:t>
             </a:fld>
@@ -2075,7 +2075,7 @@
           <p:cNvPr id="3" name="页脚占位符 2">
             <a:extLst>
               <a:ext uri="{FF2B5EF4-FFF2-40B4-BE49-F238E27FC236}">
-                <a16:creationId xmlns:a16="http://schemas.microsoft.com/office/drawing/2014/main" id="{38D5ECFA-A5D2-91FA-2802-7F6EFF8610B4}"/>
+                <a16:creationId xmlns:a16="http://schemas.microsoft.com/office/drawing/2014/main" id="{47B843FF-E518-6B6F-9FB7-91F2E5116110}"/>
               </a:ext>
             </a:extLst>
           </p:cNvPr>
@@ -2100,7 +2100,7 @@
           <p:cNvPr id="4" name="灯片编号占位符 3">
             <a:extLst>
               <a:ext uri="{FF2B5EF4-FFF2-40B4-BE49-F238E27FC236}">
-                <a16:creationId xmlns:a16="http://schemas.microsoft.com/office/drawing/2014/main" id="{B4C2FC0D-289B-D630-B60C-425FB4F44289}"/>
+                <a16:creationId xmlns:a16="http://schemas.microsoft.com/office/drawing/2014/main" id="{EDEEB150-6028-44C8-9DFC-722D69D184CA}"/>
               </a:ext>
             </a:extLst>
           </p:cNvPr>
@@ -2116,7 +2116,7 @@
           <a:bodyPr/>
           <a:lstStyle/>
           <a:p>
-            <a:fld id="{89B5FE7A-9332-4352-88AA-66EDDF470778}" type="slidenum">
+            <a:fld id="{859CA98C-BB3F-4FB6-A5C9-60D4330074FF}" type="slidenum">
               <a:rPr lang="zh-CN" altLang="en-US" smtClean="0"/>
               <a:t>‹#›</a:t>
             </a:fld>
@@ -2127,7 +2127,7 @@
     </p:spTree>
     <p:extLst>
       <p:ext uri="{BB962C8B-B14F-4D97-AF65-F5344CB8AC3E}">
-        <p14:creationId xmlns:p14="http://schemas.microsoft.com/office/powerpoint/2010/main" val="282893078"/>
+        <p14:creationId xmlns:p14="http://schemas.microsoft.com/office/powerpoint/2010/main" val="782434179"/>
       </p:ext>
     </p:extLst>
   </p:cSld>
@@ -2159,7 +2159,7 @@
           <p:cNvPr id="2" name="标题 1">
             <a:extLst>
               <a:ext uri="{FF2B5EF4-FFF2-40B4-BE49-F238E27FC236}">
-                <a16:creationId xmlns:a16="http://schemas.microsoft.com/office/drawing/2014/main" id="{6EA54963-2B58-8EED-EE07-8C076A00571D}"/>
+                <a16:creationId xmlns:a16="http://schemas.microsoft.com/office/drawing/2014/main" id="{6AFCEE7B-FFA1-85E2-160B-BE0F1938DCB0}"/>
               </a:ext>
             </a:extLst>
           </p:cNvPr>
@@ -2196,7 +2196,7 @@
           <p:cNvPr id="3" name="内容占位符 2">
             <a:extLst>
               <a:ext uri="{FF2B5EF4-FFF2-40B4-BE49-F238E27FC236}">
-                <a16:creationId xmlns:a16="http://schemas.microsoft.com/office/drawing/2014/main" id="{D8258A3A-186F-2429-FE73-026BC7C1922D}"/>
+                <a16:creationId xmlns:a16="http://schemas.microsoft.com/office/drawing/2014/main" id="{47F37367-8C41-6B03-0719-6B2801BF9257}"/>
               </a:ext>
             </a:extLst>
           </p:cNvPr>
@@ -2286,7 +2286,7 @@
           <p:cNvPr id="4" name="文本占位符 3">
             <a:extLst>
               <a:ext uri="{FF2B5EF4-FFF2-40B4-BE49-F238E27FC236}">
-                <a16:creationId xmlns:a16="http://schemas.microsoft.com/office/drawing/2014/main" id="{86C51207-A5CA-E8D4-DE5B-9FE1887F6F3B}"/>
+                <a16:creationId xmlns:a16="http://schemas.microsoft.com/office/drawing/2014/main" id="{FDD4EFE7-4DE4-E504-7093-D8FBB1BEE2F8}"/>
               </a:ext>
             </a:extLst>
           </p:cNvPr>
@@ -2357,7 +2357,7 @@
           <p:cNvPr id="5" name="日期占位符 4">
             <a:extLst>
               <a:ext uri="{FF2B5EF4-FFF2-40B4-BE49-F238E27FC236}">
-                <a16:creationId xmlns:a16="http://schemas.microsoft.com/office/drawing/2014/main" id="{B650F163-9B22-3C78-B959-E24EA2A5A903}"/>
+                <a16:creationId xmlns:a16="http://schemas.microsoft.com/office/drawing/2014/main" id="{349DE6EF-CB3B-BB2F-7C71-CEFD80941BF5}"/>
               </a:ext>
             </a:extLst>
           </p:cNvPr>
@@ -2373,7 +2373,7 @@
           <a:bodyPr/>
           <a:lstStyle/>
           <a:p>
-            <a:fld id="{9921F963-4D42-4750-A4D6-E96A84117493}" type="datetimeFigureOut">
+            <a:fld id="{23507081-EF0F-48E8-AD86-14D79F3791BE}" type="datetimeFigureOut">
               <a:rPr lang="zh-CN" altLang="en-US" smtClean="0"/>
               <a:t>2024/3/10</a:t>
             </a:fld>
@@ -2386,7 +2386,7 @@
           <p:cNvPr id="6" name="页脚占位符 5">
             <a:extLst>
               <a:ext uri="{FF2B5EF4-FFF2-40B4-BE49-F238E27FC236}">
-                <a16:creationId xmlns:a16="http://schemas.microsoft.com/office/drawing/2014/main" id="{C8C45D05-FCBE-CEF2-976E-C3997053E411}"/>
+                <a16:creationId xmlns:a16="http://schemas.microsoft.com/office/drawing/2014/main" id="{33E8AF16-9DF6-A0C8-F74E-B85507C8E08C}"/>
               </a:ext>
             </a:extLst>
           </p:cNvPr>
@@ -2411,7 +2411,7 @@
           <p:cNvPr id="7" name="灯片编号占位符 6">
             <a:extLst>
               <a:ext uri="{FF2B5EF4-FFF2-40B4-BE49-F238E27FC236}">
-                <a16:creationId xmlns:a16="http://schemas.microsoft.com/office/drawing/2014/main" id="{C78383D4-D068-2669-D63E-E9666B8A39A4}"/>
+                <a16:creationId xmlns:a16="http://schemas.microsoft.com/office/drawing/2014/main" id="{272941C7-A4C4-56AD-A0A7-7918C47C4114}"/>
               </a:ext>
             </a:extLst>
           </p:cNvPr>
@@ -2427,7 +2427,7 @@
           <a:bodyPr/>
           <a:lstStyle/>
           <a:p>
-            <a:fld id="{89B5FE7A-9332-4352-88AA-66EDDF470778}" type="slidenum">
+            <a:fld id="{859CA98C-BB3F-4FB6-A5C9-60D4330074FF}" type="slidenum">
               <a:rPr lang="zh-CN" altLang="en-US" smtClean="0"/>
               <a:t>‹#›</a:t>
             </a:fld>
@@ -2438,7 +2438,7 @@
     </p:spTree>
     <p:extLst>
       <p:ext uri="{BB962C8B-B14F-4D97-AF65-F5344CB8AC3E}">
-        <p14:creationId xmlns:p14="http://schemas.microsoft.com/office/powerpoint/2010/main" val="1044025138"/>
+        <p14:creationId xmlns:p14="http://schemas.microsoft.com/office/powerpoint/2010/main" val="1135044870"/>
       </p:ext>
     </p:extLst>
   </p:cSld>
@@ -2470,7 +2470,7 @@
           <p:cNvPr id="2" name="标题 1">
             <a:extLst>
               <a:ext uri="{FF2B5EF4-FFF2-40B4-BE49-F238E27FC236}">
-                <a16:creationId xmlns:a16="http://schemas.microsoft.com/office/drawing/2014/main" id="{CE16FAF5-7757-5B0D-E235-566B49B14DBF}"/>
+                <a16:creationId xmlns:a16="http://schemas.microsoft.com/office/drawing/2014/main" id="{6523B53C-24C3-A101-52F7-F30A3539A281}"/>
               </a:ext>
             </a:extLst>
           </p:cNvPr>
@@ -2507,7 +2507,7 @@
           <p:cNvPr id="3" name="图片占位符 2">
             <a:extLst>
               <a:ext uri="{FF2B5EF4-FFF2-40B4-BE49-F238E27FC236}">
-                <a16:creationId xmlns:a16="http://schemas.microsoft.com/office/drawing/2014/main" id="{71BB1E49-1CEC-6F69-FC5D-33FAF6AA974D}"/>
+                <a16:creationId xmlns:a16="http://schemas.microsoft.com/office/drawing/2014/main" id="{EDC4E14F-7738-69A4-0B1A-BDC3B1CC8CC0}"/>
               </a:ext>
             </a:extLst>
           </p:cNvPr>
@@ -2574,7 +2574,7 @@
           <p:cNvPr id="4" name="文本占位符 3">
             <a:extLst>
               <a:ext uri="{FF2B5EF4-FFF2-40B4-BE49-F238E27FC236}">
-                <a16:creationId xmlns:a16="http://schemas.microsoft.com/office/drawing/2014/main" id="{F09B899F-02F8-E9A3-42C3-06389779E4D7}"/>
+                <a16:creationId xmlns:a16="http://schemas.microsoft.com/office/drawing/2014/main" id="{A537C763-C5A5-57E3-912E-031581622AC9}"/>
               </a:ext>
             </a:extLst>
           </p:cNvPr>
@@ -2645,7 +2645,7 @@
           <p:cNvPr id="5" name="日期占位符 4">
             <a:extLst>
               <a:ext uri="{FF2B5EF4-FFF2-40B4-BE49-F238E27FC236}">
-                <a16:creationId xmlns:a16="http://schemas.microsoft.com/office/drawing/2014/main" id="{7F7CB096-47B8-B754-0E60-16B70C38003C}"/>
+                <a16:creationId xmlns:a16="http://schemas.microsoft.com/office/drawing/2014/main" id="{37A6C243-9BB1-8338-2D42-CF713458B08A}"/>
               </a:ext>
             </a:extLst>
           </p:cNvPr>
@@ -2661,7 +2661,7 @@
           <a:bodyPr/>
           <a:lstStyle/>
           <a:p>
-            <a:fld id="{9921F963-4D42-4750-A4D6-E96A84117493}" type="datetimeFigureOut">
+            <a:fld id="{23507081-EF0F-48E8-AD86-14D79F3791BE}" type="datetimeFigureOut">
               <a:rPr lang="zh-CN" altLang="en-US" smtClean="0"/>
               <a:t>2024/3/10</a:t>
             </a:fld>
@@ -2674,7 +2674,7 @@
           <p:cNvPr id="6" name="页脚占位符 5">
             <a:extLst>
               <a:ext uri="{FF2B5EF4-FFF2-40B4-BE49-F238E27FC236}">
-                <a16:creationId xmlns:a16="http://schemas.microsoft.com/office/drawing/2014/main" id="{A1FF6E44-7A31-BF7E-E850-77D75649CA4E}"/>
+                <a16:creationId xmlns:a16="http://schemas.microsoft.com/office/drawing/2014/main" id="{9938838D-C8BD-63EE-03A1-A98934E5E09E}"/>
               </a:ext>
             </a:extLst>
           </p:cNvPr>
@@ -2699,7 +2699,7 @@
           <p:cNvPr id="7" name="灯片编号占位符 6">
             <a:extLst>
               <a:ext uri="{FF2B5EF4-FFF2-40B4-BE49-F238E27FC236}">
-                <a16:creationId xmlns:a16="http://schemas.microsoft.com/office/drawing/2014/main" id="{134B1EAB-37E4-5796-F5B3-88717F060D1B}"/>
+                <a16:creationId xmlns:a16="http://schemas.microsoft.com/office/drawing/2014/main" id="{DE45AA62-3F15-2A70-45DF-C1C21BE6BED0}"/>
               </a:ext>
             </a:extLst>
           </p:cNvPr>
@@ -2715,7 +2715,7 @@
           <a:bodyPr/>
           <a:lstStyle/>
           <a:p>
-            <a:fld id="{89B5FE7A-9332-4352-88AA-66EDDF470778}" type="slidenum">
+            <a:fld id="{859CA98C-BB3F-4FB6-A5C9-60D4330074FF}" type="slidenum">
               <a:rPr lang="zh-CN" altLang="en-US" smtClean="0"/>
               <a:t>‹#›</a:t>
             </a:fld>
@@ -2726,7 +2726,7 @@
     </p:spTree>
     <p:extLst>
       <p:ext uri="{BB962C8B-B14F-4D97-AF65-F5344CB8AC3E}">
-        <p14:creationId xmlns:p14="http://schemas.microsoft.com/office/powerpoint/2010/main" val="538581202"/>
+        <p14:creationId xmlns:p14="http://schemas.microsoft.com/office/powerpoint/2010/main" val="1139699876"/>
       </p:ext>
     </p:extLst>
   </p:cSld>
@@ -2763,7 +2763,7 @@
           <p:cNvPr id="2" name="标题占位符 1">
             <a:extLst>
               <a:ext uri="{FF2B5EF4-FFF2-40B4-BE49-F238E27FC236}">
-                <a16:creationId xmlns:a16="http://schemas.microsoft.com/office/drawing/2014/main" id="{90B77E50-963D-178A-9FB9-1DB73CBA159B}"/>
+                <a16:creationId xmlns:a16="http://schemas.microsoft.com/office/drawing/2014/main" id="{9D333F62-66BF-C0E3-C691-92AC21737A95}"/>
               </a:ext>
             </a:extLst>
           </p:cNvPr>
@@ -2801,7 +2801,7 @@
           <p:cNvPr id="3" name="文本占位符 2">
             <a:extLst>
               <a:ext uri="{FF2B5EF4-FFF2-40B4-BE49-F238E27FC236}">
-                <a16:creationId xmlns:a16="http://schemas.microsoft.com/office/drawing/2014/main" id="{A85C5278-84FD-4E41-C1E2-FF0EE1A245E9}"/>
+                <a16:creationId xmlns:a16="http://schemas.microsoft.com/office/drawing/2014/main" id="{619B78C2-1DD6-61AA-7540-A6063F6A464D}"/>
               </a:ext>
             </a:extLst>
           </p:cNvPr>
@@ -2868,7 +2868,7 @@
           <p:cNvPr id="4" name="日期占位符 3">
             <a:extLst>
               <a:ext uri="{FF2B5EF4-FFF2-40B4-BE49-F238E27FC236}">
-                <a16:creationId xmlns:a16="http://schemas.microsoft.com/office/drawing/2014/main" id="{A9545433-8BAA-015C-872F-5DDC5953F47C}"/>
+                <a16:creationId xmlns:a16="http://schemas.microsoft.com/office/drawing/2014/main" id="{95F5F497-1B5D-96CA-14BA-53BB680E8545}"/>
               </a:ext>
             </a:extLst>
           </p:cNvPr>
@@ -2902,7 +2902,7 @@
             </a:lvl1pPr>
           </a:lstStyle>
           <a:p>
-            <a:fld id="{9921F963-4D42-4750-A4D6-E96A84117493}" type="datetimeFigureOut">
+            <a:fld id="{23507081-EF0F-48E8-AD86-14D79F3791BE}" type="datetimeFigureOut">
               <a:rPr lang="zh-CN" altLang="en-US" smtClean="0"/>
               <a:t>2024/3/10</a:t>
             </a:fld>
@@ -2915,7 +2915,7 @@
           <p:cNvPr id="5" name="页脚占位符 4">
             <a:extLst>
               <a:ext uri="{FF2B5EF4-FFF2-40B4-BE49-F238E27FC236}">
-                <a16:creationId xmlns:a16="http://schemas.microsoft.com/office/drawing/2014/main" id="{163CA17A-B2B1-1803-945B-E5BBC9365230}"/>
+                <a16:creationId xmlns:a16="http://schemas.microsoft.com/office/drawing/2014/main" id="{398A7661-E4D8-4558-33C2-1CBBAC7366F4}"/>
               </a:ext>
             </a:extLst>
           </p:cNvPr>
@@ -2958,7 +2958,7 @@
           <p:cNvPr id="6" name="灯片编号占位符 5">
             <a:extLst>
               <a:ext uri="{FF2B5EF4-FFF2-40B4-BE49-F238E27FC236}">
-                <a16:creationId xmlns:a16="http://schemas.microsoft.com/office/drawing/2014/main" id="{36A39A32-7CA2-CC10-397F-CF57549C04AF}"/>
+                <a16:creationId xmlns:a16="http://schemas.microsoft.com/office/drawing/2014/main" id="{C0E85999-42D5-4F26-4B2B-7111F641680C}"/>
               </a:ext>
             </a:extLst>
           </p:cNvPr>
@@ -2992,7 +2992,7 @@
             </a:lvl1pPr>
           </a:lstStyle>
           <a:p>
-            <a:fld id="{89B5FE7A-9332-4352-88AA-66EDDF470778}" type="slidenum">
+            <a:fld id="{859CA98C-BB3F-4FB6-A5C9-60D4330074FF}" type="slidenum">
               <a:rPr lang="zh-CN" altLang="en-US" smtClean="0"/>
               <a:t>‹#›</a:t>
             </a:fld>
@@ -3003,7 +3003,7 @@
     </p:spTree>
     <p:extLst>
       <p:ext uri="{BB962C8B-B14F-4D97-AF65-F5344CB8AC3E}">
-        <p14:creationId xmlns:p14="http://schemas.microsoft.com/office/powerpoint/2010/main" val="573161750"/>
+        <p14:creationId xmlns:p14="http://schemas.microsoft.com/office/powerpoint/2010/main" val="3837635607"/>
       </p:ext>
     </p:extLst>
   </p:cSld>
